--- a/database/slides/LORD_GOD_HAVE_MERCY_ON_US_ALL.pptx
+++ b/database/slides/LORD_GOD_HAVE_MERCY_ON_US_ALL.pptx
@@ -745,20 +745,29 @@
           </a:bodyPr>
           <a:lstStyle/>
           <a:p>
-            <a:pPr marL="0" lvl="0" indent="0" algn="l" rtl="0">
-              <a:spcBef>
-                <a:spcPts val="0"/>
-              </a:spcBef>
-              <a:spcAft>
-                <a:spcPts val="0"/>
-              </a:spcAft>
-              <a:buNone/>
+            <a:pPr marL="0" marR="0" lvl="0" indent="0" algn="l" defTabSz="914400" rtl="0" eaLnBrk="1" fontAlgn="auto" latinLnBrk="0" hangingPunct="1">
+              <a:lnSpc>
+                <a:spcPct val="100000"/>
+              </a:lnSpc>
+              <a:spcBef>
+                <a:spcPts val="0"/>
+              </a:spcBef>
+              <a:spcAft>
+                <a:spcPts val="0"/>
+              </a:spcAft>
+              <a:buClr>
+                <a:srgbClr val="000000"/>
+              </a:buClr>
+              <a:buSzPts val="1100"/>
+              <a:buFont typeface="Arial"/>
+              <a:buNone/>
+              <a:tabLst/>
+              <a:defRPr/>
             </a:pPr>
             <a:r>
               <a:rPr lang="en-US"/>
-              <a:t>RECEIPPT-TAGS:LHM</a:t>
+              <a:t>RECEIPPT-TAGS:LORD HAVE MERCY</a:t>
             </a:r>
-            <a:endParaRPr/>
           </a:p>
         </p:txBody>
       </p:sp>

--- a/database/slides/LORD_GOD_HAVE_MERCY_ON_US_ALL.pptx
+++ b/database/slides/LORD_GOD_HAVE_MERCY_ON_US_ALL.pptx
@@ -15808,13 +15808,19 @@
       </p:sp>
       <p:sp>
         <p:nvSpPr>
-          <p:cNvPr id="131" name="Google Shape;131;p25"/>
+          <p:cNvPr id="2" name="Google Shape;131;p25">
+            <a:extLst>
+              <a:ext uri="{FF2B5EF4-FFF2-40B4-BE49-F238E27FC236}">
+                <a16:creationId xmlns:a16="http://schemas.microsoft.com/office/drawing/2014/main" id="{D036554B-1FC7-3D56-D2BC-58202CAB1891}"/>
+              </a:ext>
+            </a:extLst>
+          </p:cNvPr>
           <p:cNvSpPr txBox="1"/>
           <p:nvPr/>
         </p:nvSpPr>
         <p:spPr>
           <a:xfrm>
-            <a:off x="7595100" y="6357300"/>
+            <a:off x="7595050" y="6357300"/>
             <a:ext cx="1548900" cy="500700"/>
           </a:xfrm>
           <a:prstGeom prst="rect">
@@ -15846,7 +15852,7 @@
               <a:buNone/>
             </a:pPr>
             <a:r>
-              <a:rPr lang="en-US" sz="3600" b="1" i="1" dirty="0">
+              <a:rPr lang="en-GB" sz="3600" b="1" i="1" dirty="0">
                 <a:solidFill>
                   <a:srgbClr val="FFFF00"/>
                 </a:solidFill>
@@ -15857,10 +15863,7 @@
               </a:rPr>
               <a:t>contd..</a:t>
             </a:r>
-            <a:endParaRPr sz="3600" b="1" i="1" dirty="0">
-              <a:solidFill>
-                <a:srgbClr val="FFFF00"/>
-              </a:solidFill>
+            <a:endParaRPr sz="3600" dirty="0">
               <a:latin typeface="Calibri"/>
               <a:ea typeface="Calibri"/>
               <a:cs typeface="Calibri"/>
